--- a/static/symposium/speakers/teresa_gontijo.pptx
+++ b/static/symposium/speakers/teresa_gontijo.pptx
@@ -201,7 +201,7 @@
           <a:p>
             <a:fld id="{CAD93002-4D4C-4868-BD66-C423841ACB64}" type="datetimeFigureOut">
               <a:rPr lang="en-NZ" smtClean="0"/>
-              <a:t>30/05/2021</a:t>
+              <a:t>31/05/2021</a:t>
             </a:fld>
             <a:endParaRPr lang="en-NZ"/>
           </a:p>
@@ -702,7 +702,7 @@
           <a:p>
             <a:fld id="{13771978-D615-4D66-97B6-E6186D6B7039}" type="datetimeFigureOut">
               <a:rPr lang="en-NZ" smtClean="0"/>
-              <a:t>30/05/2021</a:t>
+              <a:t>31/05/2021</a:t>
             </a:fld>
             <a:endParaRPr lang="en-NZ"/>
           </a:p>
@@ -902,7 +902,7 @@
           <a:p>
             <a:fld id="{13771978-D615-4D66-97B6-E6186D6B7039}" type="datetimeFigureOut">
               <a:rPr lang="en-NZ" smtClean="0"/>
-              <a:t>30/05/2021</a:t>
+              <a:t>31/05/2021</a:t>
             </a:fld>
             <a:endParaRPr lang="en-NZ"/>
           </a:p>
@@ -1112,7 +1112,7 @@
           <a:p>
             <a:fld id="{13771978-D615-4D66-97B6-E6186D6B7039}" type="datetimeFigureOut">
               <a:rPr lang="en-NZ" smtClean="0"/>
-              <a:t>30/05/2021</a:t>
+              <a:t>31/05/2021</a:t>
             </a:fld>
             <a:endParaRPr lang="en-NZ"/>
           </a:p>
@@ -1334,7 +1334,7 @@
           <a:p>
             <a:fld id="{4D179559-53BB-4195-A191-E15028D73EF2}" type="datetimeFigureOut">
               <a:rPr lang="en-NZ" smtClean="0"/>
-              <a:t>30/05/2021</a:t>
+              <a:t>31/05/2021</a:t>
             </a:fld>
             <a:endParaRPr lang="en-NZ"/>
           </a:p>
@@ -1534,7 +1534,7 @@
           <a:p>
             <a:fld id="{4D179559-53BB-4195-A191-E15028D73EF2}" type="datetimeFigureOut">
               <a:rPr lang="en-NZ" smtClean="0"/>
-              <a:t>30/05/2021</a:t>
+              <a:t>31/05/2021</a:t>
             </a:fld>
             <a:endParaRPr lang="en-NZ"/>
           </a:p>
@@ -1810,7 +1810,7 @@
           <a:p>
             <a:fld id="{4D179559-53BB-4195-A191-E15028D73EF2}" type="datetimeFigureOut">
               <a:rPr lang="en-NZ" smtClean="0"/>
-              <a:t>30/05/2021</a:t>
+              <a:t>31/05/2021</a:t>
             </a:fld>
             <a:endParaRPr lang="en-NZ"/>
           </a:p>
@@ -2078,7 +2078,7 @@
           <a:p>
             <a:fld id="{4D179559-53BB-4195-A191-E15028D73EF2}" type="datetimeFigureOut">
               <a:rPr lang="en-NZ" smtClean="0"/>
-              <a:t>30/05/2021</a:t>
+              <a:t>31/05/2021</a:t>
             </a:fld>
             <a:endParaRPr lang="en-NZ"/>
           </a:p>
@@ -2493,7 +2493,7 @@
           <a:p>
             <a:fld id="{4D179559-53BB-4195-A191-E15028D73EF2}" type="datetimeFigureOut">
               <a:rPr lang="en-NZ" smtClean="0"/>
-              <a:t>30/05/2021</a:t>
+              <a:t>31/05/2021</a:t>
             </a:fld>
             <a:endParaRPr lang="en-NZ"/>
           </a:p>
@@ -2635,7 +2635,7 @@
           <a:p>
             <a:fld id="{4D179559-53BB-4195-A191-E15028D73EF2}" type="datetimeFigureOut">
               <a:rPr lang="en-NZ" smtClean="0"/>
-              <a:t>30/05/2021</a:t>
+              <a:t>31/05/2021</a:t>
             </a:fld>
             <a:endParaRPr lang="en-NZ"/>
           </a:p>
@@ -2748,7 +2748,7 @@
           <a:p>
             <a:fld id="{4D179559-53BB-4195-A191-E15028D73EF2}" type="datetimeFigureOut">
               <a:rPr lang="en-NZ" smtClean="0"/>
-              <a:t>30/05/2021</a:t>
+              <a:t>31/05/2021</a:t>
             </a:fld>
             <a:endParaRPr lang="en-NZ"/>
           </a:p>
@@ -3061,7 +3061,7 @@
           <a:p>
             <a:fld id="{4D179559-53BB-4195-A191-E15028D73EF2}" type="datetimeFigureOut">
               <a:rPr lang="en-NZ" smtClean="0"/>
-              <a:t>30/05/2021</a:t>
+              <a:t>31/05/2021</a:t>
             </a:fld>
             <a:endParaRPr lang="en-NZ"/>
           </a:p>
@@ -3261,7 +3261,7 @@
           <a:p>
             <a:fld id="{13771978-D615-4D66-97B6-E6186D6B7039}" type="datetimeFigureOut">
               <a:rPr lang="en-NZ" smtClean="0"/>
-              <a:t>30/05/2021</a:t>
+              <a:t>31/05/2021</a:t>
             </a:fld>
             <a:endParaRPr lang="en-NZ"/>
           </a:p>
@@ -3550,7 +3550,7 @@
           <a:p>
             <a:fld id="{4D179559-53BB-4195-A191-E15028D73EF2}" type="datetimeFigureOut">
               <a:rPr lang="en-NZ" smtClean="0"/>
-              <a:t>30/05/2021</a:t>
+              <a:t>31/05/2021</a:t>
             </a:fld>
             <a:endParaRPr lang="en-NZ"/>
           </a:p>
@@ -3750,7 +3750,7 @@
           <a:p>
             <a:fld id="{4D179559-53BB-4195-A191-E15028D73EF2}" type="datetimeFigureOut">
               <a:rPr lang="en-NZ" smtClean="0"/>
-              <a:t>30/05/2021</a:t>
+              <a:t>31/05/2021</a:t>
             </a:fld>
             <a:endParaRPr lang="en-NZ"/>
           </a:p>
@@ -3960,7 +3960,7 @@
           <a:p>
             <a:fld id="{4D179559-53BB-4195-A191-E15028D73EF2}" type="datetimeFigureOut">
               <a:rPr lang="en-NZ" smtClean="0"/>
-              <a:t>30/05/2021</a:t>
+              <a:t>31/05/2021</a:t>
             </a:fld>
             <a:endParaRPr lang="en-NZ"/>
           </a:p>
@@ -4236,7 +4236,7 @@
           <a:p>
             <a:fld id="{13771978-D615-4D66-97B6-E6186D6B7039}" type="datetimeFigureOut">
               <a:rPr lang="en-NZ" smtClean="0"/>
-              <a:t>30/05/2021</a:t>
+              <a:t>31/05/2021</a:t>
             </a:fld>
             <a:endParaRPr lang="en-NZ"/>
           </a:p>
@@ -4504,7 +4504,7 @@
           <a:p>
             <a:fld id="{13771978-D615-4D66-97B6-E6186D6B7039}" type="datetimeFigureOut">
               <a:rPr lang="en-NZ" smtClean="0"/>
-              <a:t>30/05/2021</a:t>
+              <a:t>31/05/2021</a:t>
             </a:fld>
             <a:endParaRPr lang="en-NZ"/>
           </a:p>
@@ -4919,7 +4919,7 @@
           <a:p>
             <a:fld id="{13771978-D615-4D66-97B6-E6186D6B7039}" type="datetimeFigureOut">
               <a:rPr lang="en-NZ" smtClean="0"/>
-              <a:t>30/05/2021</a:t>
+              <a:t>31/05/2021</a:t>
             </a:fld>
             <a:endParaRPr lang="en-NZ"/>
           </a:p>
@@ -5061,7 +5061,7 @@
           <a:p>
             <a:fld id="{13771978-D615-4D66-97B6-E6186D6B7039}" type="datetimeFigureOut">
               <a:rPr lang="en-NZ" smtClean="0"/>
-              <a:t>30/05/2021</a:t>
+              <a:t>31/05/2021</a:t>
             </a:fld>
             <a:endParaRPr lang="en-NZ"/>
           </a:p>
@@ -5174,7 +5174,7 @@
           <a:p>
             <a:fld id="{13771978-D615-4D66-97B6-E6186D6B7039}" type="datetimeFigureOut">
               <a:rPr lang="en-NZ" smtClean="0"/>
-              <a:t>30/05/2021</a:t>
+              <a:t>31/05/2021</a:t>
             </a:fld>
             <a:endParaRPr lang="en-NZ"/>
           </a:p>
@@ -5487,7 +5487,7 @@
           <a:p>
             <a:fld id="{13771978-D615-4D66-97B6-E6186D6B7039}" type="datetimeFigureOut">
               <a:rPr lang="en-NZ" smtClean="0"/>
-              <a:t>30/05/2021</a:t>
+              <a:t>31/05/2021</a:t>
             </a:fld>
             <a:endParaRPr lang="en-NZ"/>
           </a:p>
@@ -5776,7 +5776,7 @@
           <a:p>
             <a:fld id="{13771978-D615-4D66-97B6-E6186D6B7039}" type="datetimeFigureOut">
               <a:rPr lang="en-NZ" smtClean="0"/>
-              <a:t>30/05/2021</a:t>
+              <a:t>31/05/2021</a:t>
             </a:fld>
             <a:endParaRPr lang="en-NZ"/>
           </a:p>
@@ -6019,7 +6019,7 @@
           <a:p>
             <a:fld id="{13771978-D615-4D66-97B6-E6186D6B7039}" type="datetimeFigureOut">
               <a:rPr lang="en-NZ" smtClean="0"/>
-              <a:t>30/05/2021</a:t>
+              <a:t>31/05/2021</a:t>
             </a:fld>
             <a:endParaRPr lang="en-NZ"/>
           </a:p>
@@ -6619,7 +6619,7 @@
           <a:p>
             <a:fld id="{4D179559-53BB-4195-A191-E15028D73EF2}" type="datetimeFigureOut">
               <a:rPr lang="en-NZ" smtClean="0"/>
-              <a:t>30/05/2021</a:t>
+              <a:t>31/05/2021</a:t>
             </a:fld>
             <a:endParaRPr lang="en-NZ"/>
           </a:p>
@@ -7683,8 +7683,8 @@
         </p:blipFill>
         <p:spPr>
           <a:xfrm>
-            <a:off x="2311539" y="6079997"/>
-            <a:ext cx="2047163" cy="805219"/>
+            <a:off x="2250124" y="6054585"/>
+            <a:ext cx="2047163" cy="845114"/>
           </a:xfrm>
           <a:prstGeom prst="rect">
             <a:avLst/>
@@ -7724,8 +7724,8 @@
         </p:blipFill>
         <p:spPr>
           <a:xfrm>
-            <a:off x="4358702" y="6070415"/>
-            <a:ext cx="1924335" cy="779806"/>
+            <a:off x="4323007" y="6054584"/>
+            <a:ext cx="1924335" cy="821050"/>
           </a:xfrm>
           <a:prstGeom prst="rect">
             <a:avLst/>
@@ -7765,7 +7765,7 @@
         </p:blipFill>
         <p:spPr>
           <a:xfrm>
-            <a:off x="6317934" y="6054584"/>
+            <a:off x="6247342" y="6054584"/>
             <a:ext cx="1773469" cy="795637"/>
           </a:xfrm>
           <a:prstGeom prst="rect">
@@ -7806,8 +7806,8 @@
         </p:blipFill>
         <p:spPr>
           <a:xfrm>
-            <a:off x="14705" y="6079997"/>
-            <a:ext cx="2261937" cy="805219"/>
+            <a:off x="14705" y="6054584"/>
+            <a:ext cx="2261937" cy="806569"/>
           </a:xfrm>
           <a:prstGeom prst="rect">
             <a:avLst/>
@@ -7869,7 +7869,7 @@
                 <a:latin typeface="+mj-lt"/>
                 <a:ea typeface="Verdana" panose="020B0604030504040204" pitchFamily="34" charset="0"/>
               </a:rPr>
-              <a:t>Prof Boy Swinburn</a:t>
+              <a:t>Prof Boyd Swinburn</a:t>
             </a:r>
             <a:r>
               <a:rPr lang="en-US" sz="2200" dirty="0">
@@ -10008,7 +10008,7 @@
                   </a:schemeClr>
                 </a:solidFill>
               </a:rPr>
-              <a:t>Options to make platform available to end-users.</a:t>
+              <a:t>Options to make the platform available to end-users.</a:t>
             </a:r>
             <a:endParaRPr lang="en-NZ" sz="2200" dirty="0">
               <a:solidFill>
